--- a/weighting-scheme.pptx
+++ b/weighting-scheme.pptx
@@ -5,10 +5,11 @@
     <p:sldMasterId id="2147483660" r:id="rId1"/>
   </p:sldMasterIdLst>
   <p:notesMasterIdLst>
-    <p:notesMasterId r:id="rId3"/>
+    <p:notesMasterId r:id="rId4"/>
   </p:notesMasterIdLst>
   <p:sldIdLst>
     <p:sldId id="257" r:id="rId2"/>
+    <p:sldId id="258" r:id="rId3"/>
   </p:sldIdLst>
   <p:sldSz cx="12192000" cy="6858000"/>
   <p:notesSz cx="6858000" cy="9144000"/>
@@ -107,6 +108,11 @@
       </a:defRPr>
     </a:lvl9pPr>
   </p:defaultTextStyle>
+  <p:extLst>
+    <p:ext uri="{EFAFB233-063F-42B5-8137-9DF3F51BA10A}">
+      <p15:sldGuideLst xmlns:p15="http://schemas.microsoft.com/office/powerpoint/2012/main"/>
+    </p:ext>
+  </p:extLst>
 </p:presentation>
 </file>
 
@@ -7453,29 +7459,8 @@
                   <a:schemeClr val="tx2"/>
                 </a:solidFill>
               </a:rPr>
-              <a:t>A subset of </a:t>
-            </a:r>
-            <a:r>
-              <a:rPr lang="en-US" dirty="0">
-                <a:solidFill>
-                  <a:schemeClr val="tx2"/>
-                </a:solidFill>
-              </a:rPr>
-              <a:t>crashes </a:t>
-            </a:r>
-            <a:r>
-              <a:rPr lang="en-US" dirty="0">
-                <a:solidFill>
-                  <a:schemeClr val="tx2"/>
-                </a:solidFill>
-              </a:rPr>
-              <a:t>are selected </a:t>
-            </a:r>
-            <a:endParaRPr lang="en-US" dirty="0">
-              <a:solidFill>
-                <a:schemeClr val="tx2"/>
-              </a:solidFill>
-            </a:endParaRPr>
+              <a:t>A subset of crashes are selected </a:t>
+            </a:r>
           </a:p>
         </p:txBody>
       </p:sp>
@@ -8048,21 +8033,8 @@
                   <a:schemeClr val="tx2"/>
                 </a:solidFill>
               </a:rPr>
-              <a:t>NASS GES divides the U.S. into 1,195 primary sampling units (PSU</a:t>
-            </a:r>
-            <a:r>
-              <a:rPr lang="en-US" sz="2000" dirty="0">
-                <a:solidFill>
-                  <a:schemeClr val="tx2"/>
-                </a:solidFill>
-              </a:rPr>
-              <a:t>)</a:t>
-            </a:r>
-            <a:endParaRPr lang="en-US" sz="2000" dirty="0">
-              <a:solidFill>
-                <a:schemeClr val="tx2"/>
-              </a:solidFill>
-            </a:endParaRPr>
+              <a:t>NASS GES divides the U.S. into 1,195 primary sampling units (PSU)</a:t>
+            </a:r>
           </a:p>
         </p:txBody>
       </p:sp>
@@ -8138,15 +8110,7 @@
                     <a:schemeClr val="tx2"/>
                   </a:solidFill>
                 </a:rPr>
-                <a:t>A sample </a:t>
-              </a:r>
-              <a:r>
-                <a:rPr lang="en-US" dirty="0">
-                  <a:solidFill>
-                    <a:schemeClr val="tx2"/>
-                  </a:solidFill>
-                </a:rPr>
-                <a:t>of police jurisdictions within each PSU</a:t>
+                <a:t>A sample of police jurisdictions within each PSU</a:t>
               </a:r>
             </a:p>
           </p:txBody>
@@ -8412,67 +8376,41 @@
                   <a:srgbClr val="EC6864"/>
                 </a:solidFill>
               </a:rPr>
-              <a:t>Stage </a:t>
-            </a:r>
+              <a:t>Stage 2</a:t>
+            </a:r>
+          </a:p>
+        </p:txBody>
+      </p:sp>
+      <p:sp>
+        <p:nvSpPr>
+          <p:cNvPr id="40" name="TextBox 39"/>
+          <p:cNvSpPr txBox="1"/>
+          <p:nvPr/>
+        </p:nvSpPr>
+        <p:spPr>
+          <a:xfrm>
+            <a:off x="7924800" y="5422872"/>
+            <a:ext cx="1301959" cy="461665"/>
+          </a:xfrm>
+          <a:prstGeom prst="rect">
+            <a:avLst/>
+          </a:prstGeom>
+          <a:noFill/>
+        </p:spPr>
+        <p:txBody>
+          <a:bodyPr wrap="none" rtlCol="0">
+            <a:spAutoFit/>
+          </a:bodyPr>
+          <a:lstStyle/>
+          <a:p>
             <a:r>
               <a:rPr lang="en-US" sz="2400" b="1" dirty="0">
                 <a:solidFill>
                   <a:srgbClr val="EC6864"/>
                 </a:solidFill>
               </a:rPr>
-              <a:t>2</a:t>
-            </a:r>
-            <a:endParaRPr lang="en-US" sz="2400" b="1" dirty="0">
-              <a:solidFill>
-                <a:srgbClr val="EC6864"/>
-              </a:solidFill>
-            </a:endParaRPr>
-          </a:p>
-        </p:txBody>
-      </p:sp>
-      <p:sp>
-        <p:nvSpPr>
-          <p:cNvPr id="40" name="TextBox 39"/>
-          <p:cNvSpPr txBox="1"/>
-          <p:nvPr/>
-        </p:nvSpPr>
-        <p:spPr>
-          <a:xfrm>
-            <a:off x="7924800" y="5422872"/>
-            <a:ext cx="1301959" cy="461665"/>
-          </a:xfrm>
-          <a:prstGeom prst="rect">
-            <a:avLst/>
-          </a:prstGeom>
-          <a:noFill/>
-        </p:spPr>
-        <p:txBody>
-          <a:bodyPr wrap="none" rtlCol="0">
-            <a:spAutoFit/>
-          </a:bodyPr>
-          <a:lstStyle/>
-          <a:p>
-            <a:r>
-              <a:rPr lang="en-US" sz="2400" b="1" dirty="0">
-                <a:solidFill>
-                  <a:srgbClr val="EC6864"/>
-                </a:solidFill>
-              </a:rPr>
-              <a:t>Stage </a:t>
-            </a:r>
-            <a:r>
-              <a:rPr lang="en-US" sz="2400" b="1" dirty="0">
-                <a:solidFill>
-                  <a:srgbClr val="EC6864"/>
-                </a:solidFill>
-              </a:rPr>
-              <a:t>3</a:t>
-            </a:r>
-            <a:endParaRPr lang="en-US" sz="2400" b="1" dirty="0">
-              <a:solidFill>
-                <a:srgbClr val="EC6864"/>
-              </a:solidFill>
-            </a:endParaRPr>
+              <a:t>Stage 3</a:t>
+            </a:r>
           </a:p>
         </p:txBody>
       </p:sp>
@@ -9894,6 +9832,538 @@
 </p:sld>
 </file>
 
+<file path=ppt/slides/slide2.xml><?xml version="1.0" encoding="utf-8"?>
+<p:sld xmlns:a="http://schemas.openxmlformats.org/drawingml/2006/main" xmlns:r="http://schemas.openxmlformats.org/officeDocument/2006/relationships" xmlns:p="http://schemas.openxmlformats.org/presentationml/2006/main">
+  <p:cSld>
+    <p:spTree>
+      <p:nvGrpSpPr>
+        <p:cNvPr id="1" name=""/>
+        <p:cNvGrpSpPr/>
+        <p:nvPr/>
+      </p:nvGrpSpPr>
+      <p:grpSpPr>
+        <a:xfrm>
+          <a:off x="0" y="0"/>
+          <a:ext cx="0" cy="0"/>
+          <a:chOff x="0" y="0"/>
+          <a:chExt cx="0" cy="0"/>
+        </a:xfrm>
+      </p:grpSpPr>
+      <mc:AlternateContent xmlns:mc="http://schemas.openxmlformats.org/markup-compatibility/2006">
+        <mc:Choice xmlns:a14="http://schemas.microsoft.com/office/drawing/2010/main" Requires="a14">
+          <p:sp>
+            <p:nvSpPr>
+              <p:cNvPr id="4" name="TextBox 3"/>
+              <p:cNvSpPr txBox="1"/>
+              <p:nvPr/>
+            </p:nvSpPr>
+            <p:spPr>
+              <a:xfrm>
+                <a:off x="24567" y="4534788"/>
+                <a:ext cx="12167433" cy="1839093"/>
+              </a:xfrm>
+              <a:prstGeom prst="rect">
+                <a:avLst/>
+              </a:prstGeom>
+              <a:noFill/>
+            </p:spPr>
+            <p:txBody>
+              <a:bodyPr wrap="none" rtlCol="0">
+                <a:spAutoFit/>
+              </a:bodyPr>
+              <a:lstStyle/>
+              <a:p>
+                <a:pPr/>
+                <a14:m>
+                  <m:oMathPara xmlns:m="http://schemas.openxmlformats.org/officeDocument/2006/math">
+                    <m:oMathParaPr>
+                      <m:jc m:val="centerGroup"/>
+                    </m:oMathParaPr>
+                    <m:oMath xmlns:m="http://schemas.openxmlformats.org/officeDocument/2006/math">
+                      <m:f>
+                        <m:fPr>
+                          <m:ctrlPr>
+                            <a:rPr lang="en-US" sz="2800" b="0" i="1" smtClean="0">
+                              <a:solidFill>
+                                <a:schemeClr val="tx2"/>
+                              </a:solidFill>
+                              <a:latin typeface="Cambria Math" charset="0"/>
+                            </a:rPr>
+                          </m:ctrlPr>
+                        </m:fPr>
+                        <m:num>
+                          <m:r>
+                            <a:rPr lang="en-US" sz="2800" b="0" i="1" smtClean="0">
+                              <a:solidFill>
+                                <a:schemeClr val="tx2"/>
+                              </a:solidFill>
+                              <a:latin typeface="Cambria Math" charset="0"/>
+                            </a:rPr>
+                            <m:t>1</m:t>
+                          </m:r>
+                        </m:num>
+                        <m:den>
+                          <m:r>
+                            <a:rPr lang="en-US" sz="2800" b="0" i="1" smtClean="0">
+                              <a:solidFill>
+                                <a:schemeClr val="tx2"/>
+                              </a:solidFill>
+                              <a:latin typeface="Cambria Math" charset="0"/>
+                            </a:rPr>
+                            <m:t>𝑃</m:t>
+                          </m:r>
+                          <m:d>
+                            <m:dPr>
+                              <m:ctrlPr>
+                                <a:rPr lang="en-US" sz="2800" b="0" i="1" smtClean="0">
+                                  <a:solidFill>
+                                    <a:schemeClr val="tx2"/>
+                                  </a:solidFill>
+                                  <a:latin typeface="Cambria Math" charset="0"/>
+                                </a:rPr>
+                              </m:ctrlPr>
+                            </m:dPr>
+                            <m:e>
+                              <m:r>
+                                <a:rPr lang="en-US" sz="2800" b="0" i="1" smtClean="0">
+                                  <a:solidFill>
+                                    <a:schemeClr val="tx2"/>
+                                  </a:solidFill>
+                                  <a:latin typeface="Cambria Math" charset="0"/>
+                                </a:rPr>
+                                <m:t>𝑠𝑒𝑙𝑒𝑐𝑡𝑖𝑜𝑛</m:t>
+                              </m:r>
+                              <m:r>
+                                <a:rPr lang="en-US" sz="2800" b="0" i="1" smtClean="0">
+                                  <a:solidFill>
+                                    <a:schemeClr val="tx2"/>
+                                  </a:solidFill>
+                                  <a:latin typeface="Cambria Math" charset="0"/>
+                                </a:rPr>
+                                <m:t> </m:t>
+                              </m:r>
+                              <m:r>
+                                <a:rPr lang="en-US" sz="2800" b="0" i="1" smtClean="0">
+                                  <a:solidFill>
+                                    <a:schemeClr val="tx2"/>
+                                  </a:solidFill>
+                                  <a:latin typeface="Cambria Math" charset="0"/>
+                                </a:rPr>
+                                <m:t>𝑎𝑡</m:t>
+                              </m:r>
+                              <m:r>
+                                <a:rPr lang="en-US" sz="2800" b="0" i="1" smtClean="0">
+                                  <a:solidFill>
+                                    <a:schemeClr val="tx2"/>
+                                  </a:solidFill>
+                                  <a:latin typeface="Cambria Math" charset="0"/>
+                                </a:rPr>
+                                <m:t> </m:t>
+                              </m:r>
+                              <m:r>
+                                <a:rPr lang="en-US" sz="2800" b="0" i="1" smtClean="0">
+                                  <a:solidFill>
+                                    <a:schemeClr val="tx2"/>
+                                  </a:solidFill>
+                                  <a:latin typeface="Cambria Math" charset="0"/>
+                                </a:rPr>
+                                <m:t>𝑆𝑡𝑎𝑔𝑒</m:t>
+                              </m:r>
+                              <m:r>
+                                <a:rPr lang="en-US" sz="2800" b="0" i="1" smtClean="0">
+                                  <a:solidFill>
+                                    <a:schemeClr val="tx2"/>
+                                  </a:solidFill>
+                                  <a:latin typeface="Cambria Math" charset="0"/>
+                                </a:rPr>
+                                <m:t> 1</m:t>
+                              </m:r>
+                            </m:e>
+                          </m:d>
+                        </m:den>
+                      </m:f>
+                      <m:r>
+                        <a:rPr lang="en-US" sz="2800" b="0" i="1" smtClean="0">
+                          <a:solidFill>
+                            <a:schemeClr val="tx2"/>
+                          </a:solidFill>
+                          <a:latin typeface="Cambria Math" charset="0"/>
+                        </a:rPr>
+                        <m:t>×</m:t>
+                      </m:r>
+                      <m:f>
+                        <m:fPr>
+                          <m:ctrlPr>
+                            <a:rPr lang="en-US" sz="2800" i="1">
+                              <a:solidFill>
+                                <a:schemeClr val="tx2"/>
+                              </a:solidFill>
+                              <a:latin typeface="Cambria Math" charset="0"/>
+                            </a:rPr>
+                          </m:ctrlPr>
+                        </m:fPr>
+                        <m:num>
+                          <m:r>
+                            <a:rPr lang="en-US" sz="2800" i="1">
+                              <a:solidFill>
+                                <a:schemeClr val="tx2"/>
+                              </a:solidFill>
+                              <a:latin typeface="Cambria Math" charset="0"/>
+                            </a:rPr>
+                            <m:t>1</m:t>
+                          </m:r>
+                        </m:num>
+                        <m:den>
+                          <m:r>
+                            <a:rPr lang="en-US" sz="2800" i="1">
+                              <a:solidFill>
+                                <a:schemeClr val="tx2"/>
+                              </a:solidFill>
+                              <a:latin typeface="Cambria Math" charset="0"/>
+                            </a:rPr>
+                            <m:t>𝑃</m:t>
+                          </m:r>
+                          <m:d>
+                            <m:dPr>
+                              <m:ctrlPr>
+                                <a:rPr lang="en-US" sz="2800" i="1">
+                                  <a:solidFill>
+                                    <a:schemeClr val="tx2"/>
+                                  </a:solidFill>
+                                  <a:latin typeface="Cambria Math" charset="0"/>
+                                </a:rPr>
+                              </m:ctrlPr>
+                            </m:dPr>
+                            <m:e>
+                              <m:r>
+                                <a:rPr lang="en-US" sz="2800" i="1">
+                                  <a:solidFill>
+                                    <a:schemeClr val="tx2"/>
+                                  </a:solidFill>
+                                  <a:latin typeface="Cambria Math" charset="0"/>
+                                </a:rPr>
+                                <m:t>𝑠𝑒𝑙𝑒𝑐𝑡𝑖𝑜𝑛</m:t>
+                              </m:r>
+                              <m:r>
+                                <a:rPr lang="en-US" sz="2800" i="1">
+                                  <a:solidFill>
+                                    <a:schemeClr val="tx2"/>
+                                  </a:solidFill>
+                                  <a:latin typeface="Cambria Math" charset="0"/>
+                                </a:rPr>
+                                <m:t> </m:t>
+                              </m:r>
+                              <m:r>
+                                <a:rPr lang="en-US" sz="2800" i="1">
+                                  <a:solidFill>
+                                    <a:schemeClr val="tx2"/>
+                                  </a:solidFill>
+                                  <a:latin typeface="Cambria Math" charset="0"/>
+                                </a:rPr>
+                                <m:t>𝑎𝑡</m:t>
+                              </m:r>
+                              <m:r>
+                                <a:rPr lang="en-US" sz="2800" i="1">
+                                  <a:solidFill>
+                                    <a:schemeClr val="tx2"/>
+                                  </a:solidFill>
+                                  <a:latin typeface="Cambria Math" charset="0"/>
+                                </a:rPr>
+                                <m:t> </m:t>
+                              </m:r>
+                              <m:r>
+                                <a:rPr lang="en-US" sz="2800" i="1">
+                                  <a:solidFill>
+                                    <a:schemeClr val="tx2"/>
+                                  </a:solidFill>
+                                  <a:latin typeface="Cambria Math" charset="0"/>
+                                </a:rPr>
+                                <m:t>𝑆𝑡𝑎𝑔𝑒</m:t>
+                              </m:r>
+                              <m:r>
+                                <a:rPr lang="en-US" sz="2800" i="1">
+                                  <a:solidFill>
+                                    <a:schemeClr val="tx2"/>
+                                  </a:solidFill>
+                                  <a:latin typeface="Cambria Math" charset="0"/>
+                                </a:rPr>
+                                <m:t> 2</m:t>
+                              </m:r>
+                            </m:e>
+                          </m:d>
+                        </m:den>
+                      </m:f>
+                      <m:r>
+                        <a:rPr lang="en-US" sz="2800" i="1">
+                          <a:solidFill>
+                            <a:schemeClr val="tx2"/>
+                          </a:solidFill>
+                          <a:latin typeface="Cambria Math" charset="0"/>
+                        </a:rPr>
+                        <m:t>×</m:t>
+                      </m:r>
+                      <m:f>
+                        <m:fPr>
+                          <m:ctrlPr>
+                            <a:rPr lang="en-US" sz="2800" i="1">
+                              <a:solidFill>
+                                <a:schemeClr val="tx2"/>
+                              </a:solidFill>
+                              <a:latin typeface="Cambria Math" charset="0"/>
+                            </a:rPr>
+                          </m:ctrlPr>
+                        </m:fPr>
+                        <m:num>
+                          <m:r>
+                            <a:rPr lang="en-US" sz="2800" i="1">
+                              <a:solidFill>
+                                <a:schemeClr val="tx2"/>
+                              </a:solidFill>
+                              <a:latin typeface="Cambria Math" charset="0"/>
+                            </a:rPr>
+                            <m:t>1</m:t>
+                          </m:r>
+                        </m:num>
+                        <m:den>
+                          <m:r>
+                            <a:rPr lang="en-US" sz="2800" i="1">
+                              <a:solidFill>
+                                <a:schemeClr val="tx2"/>
+                              </a:solidFill>
+                              <a:latin typeface="Cambria Math" charset="0"/>
+                            </a:rPr>
+                            <m:t>𝑃</m:t>
+                          </m:r>
+                          <m:d>
+                            <m:dPr>
+                              <m:ctrlPr>
+                                <a:rPr lang="en-US" sz="2800" i="1">
+                                  <a:solidFill>
+                                    <a:schemeClr val="tx2"/>
+                                  </a:solidFill>
+                                  <a:latin typeface="Cambria Math" charset="0"/>
+                                </a:rPr>
+                              </m:ctrlPr>
+                            </m:dPr>
+                            <m:e>
+                              <m:r>
+                                <a:rPr lang="en-US" sz="2800" i="1">
+                                  <a:solidFill>
+                                    <a:schemeClr val="tx2"/>
+                                  </a:solidFill>
+                                  <a:latin typeface="Cambria Math" charset="0"/>
+                                </a:rPr>
+                                <m:t>𝑠𝑒𝑙𝑒𝑐𝑡𝑖𝑜𝑛</m:t>
+                              </m:r>
+                              <m:r>
+                                <a:rPr lang="en-US" sz="2800" i="1">
+                                  <a:solidFill>
+                                    <a:schemeClr val="tx2"/>
+                                  </a:solidFill>
+                                  <a:latin typeface="Cambria Math" charset="0"/>
+                                </a:rPr>
+                                <m:t> </m:t>
+                              </m:r>
+                              <m:r>
+                                <a:rPr lang="en-US" sz="2800" i="1">
+                                  <a:solidFill>
+                                    <a:schemeClr val="tx2"/>
+                                  </a:solidFill>
+                                  <a:latin typeface="Cambria Math" charset="0"/>
+                                </a:rPr>
+                                <m:t>𝑎𝑡</m:t>
+                              </m:r>
+                              <m:r>
+                                <a:rPr lang="en-US" sz="2800" i="1">
+                                  <a:solidFill>
+                                    <a:schemeClr val="tx2"/>
+                                  </a:solidFill>
+                                  <a:latin typeface="Cambria Math" charset="0"/>
+                                </a:rPr>
+                                <m:t> </m:t>
+                              </m:r>
+                              <m:r>
+                                <a:rPr lang="en-US" sz="2800" i="1">
+                                  <a:solidFill>
+                                    <a:schemeClr val="tx2"/>
+                                  </a:solidFill>
+                                  <a:latin typeface="Cambria Math" charset="0"/>
+                                </a:rPr>
+                                <m:t>𝑆𝑡𝑎𝑔𝑒</m:t>
+                              </m:r>
+                              <m:r>
+                                <a:rPr lang="en-US" sz="2800" i="1">
+                                  <a:solidFill>
+                                    <a:schemeClr val="tx2"/>
+                                  </a:solidFill>
+                                  <a:latin typeface="Cambria Math" charset="0"/>
+                                </a:rPr>
+                                <m:t> 3</m:t>
+                              </m:r>
+                            </m:e>
+                          </m:d>
+                        </m:den>
+                      </m:f>
+                    </m:oMath>
+                  </m:oMathPara>
+                </a14:m>
+                <a:endParaRPr lang="en-US" sz="2800" dirty="0">
+                  <a:solidFill>
+                    <a:schemeClr val="tx2"/>
+                  </a:solidFill>
+                </a:endParaRPr>
+              </a:p>
+              <a:p>
+                <a:endParaRPr lang="en-US" sz="2800" b="0" dirty="0" smtClean="0"/>
+              </a:p>
+              <a:p>
+                <a:endParaRPr lang="en-US" sz="2800" dirty="0"/>
+              </a:p>
+            </p:txBody>
+          </p:sp>
+        </mc:Choice>
+        <mc:Fallback>
+          <p:sp>
+            <p:nvSpPr>
+              <p:cNvPr id="4" name="TextBox 3"/>
+              <p:cNvSpPr txBox="1">
+                <a:spLocks noRot="1" noChangeAspect="1" noMove="1" noResize="1" noEditPoints="1" noAdjustHandles="1" noChangeArrowheads="1" noChangeShapeType="1" noTextEdit="1"/>
+              </p:cNvSpPr>
+              <p:nvPr/>
+            </p:nvSpPr>
+            <p:spPr>
+              <a:xfrm>
+                <a:off x="24567" y="4534788"/>
+                <a:ext cx="12167433" cy="1839093"/>
+              </a:xfrm>
+              <a:prstGeom prst="rect">
+                <a:avLst/>
+              </a:prstGeom>
+              <a:blipFill rotWithShape="0">
+                <a:blip r:embed="rId2"/>
+                <a:stretch>
+                  <a:fillRect/>
+                </a:stretch>
+              </a:blipFill>
+            </p:spPr>
+            <p:txBody>
+              <a:bodyPr/>
+              <a:lstStyle/>
+              <a:p>
+                <a:r>
+                  <a:rPr lang="en-US">
+                    <a:noFill/>
+                  </a:rPr>
+                  <a:t> </a:t>
+                </a:r>
+              </a:p>
+            </p:txBody>
+          </p:sp>
+        </mc:Fallback>
+      </mc:AlternateContent>
+      <p:sp>
+        <p:nvSpPr>
+          <p:cNvPr id="5" name="Trapezoid 4"/>
+          <p:cNvSpPr/>
+          <p:nvPr/>
+        </p:nvSpPr>
+        <p:spPr>
+          <a:xfrm>
+            <a:off x="4252559" y="391887"/>
+            <a:ext cx="3711445" cy="2580656"/>
+          </a:xfrm>
+          <a:prstGeom prst="trapezoid">
+            <a:avLst/>
+          </a:prstGeom>
+          <a:solidFill>
+            <a:srgbClr val="EC6864"/>
+          </a:solidFill>
+          <a:ln w="57150">
+            <a:solidFill>
+              <a:schemeClr val="tx2"/>
+            </a:solidFill>
+          </a:ln>
+          <a:effectLst/>
+        </p:spPr>
+        <p:style>
+          <a:lnRef idx="1">
+            <a:schemeClr val="accent1"/>
+          </a:lnRef>
+          <a:fillRef idx="3">
+            <a:schemeClr val="accent1"/>
+          </a:fillRef>
+          <a:effectRef idx="2">
+            <a:schemeClr val="accent1"/>
+          </a:effectRef>
+          <a:fontRef idx="minor">
+            <a:schemeClr val="lt1"/>
+          </a:fontRef>
+        </p:style>
+        <p:txBody>
+          <a:bodyPr rtlCol="0" anchor="ctr"/>
+          <a:lstStyle/>
+          <a:p>
+            <a:pPr algn="ctr"/>
+            <a:r>
+              <a:rPr lang="en-US" sz="6000" dirty="0" smtClean="0"/>
+              <a:t>Weight</a:t>
+            </a:r>
+            <a:endParaRPr lang="en-US" sz="3600" dirty="0"/>
+          </a:p>
+        </p:txBody>
+      </p:sp>
+      <p:sp>
+        <p:nvSpPr>
+          <p:cNvPr id="6" name="TextBox 5"/>
+          <p:cNvSpPr txBox="1"/>
+          <p:nvPr/>
+        </p:nvSpPr>
+        <p:spPr>
+          <a:xfrm>
+            <a:off x="5648346" y="3070984"/>
+            <a:ext cx="919873" cy="1323439"/>
+          </a:xfrm>
+          <a:prstGeom prst="rect">
+            <a:avLst/>
+          </a:prstGeom>
+          <a:noFill/>
+        </p:spPr>
+        <p:txBody>
+          <a:bodyPr wrap="square" rtlCol="0">
+            <a:spAutoFit/>
+          </a:bodyPr>
+          <a:lstStyle/>
+          <a:p>
+            <a:pPr algn="ctr"/>
+            <a:r>
+              <a:rPr lang="en-US" sz="8000" dirty="0" smtClean="0">
+                <a:solidFill>
+                  <a:schemeClr val="tx2"/>
+                </a:solidFill>
+              </a:rPr>
+              <a:t>=</a:t>
+            </a:r>
+            <a:endParaRPr lang="en-US" sz="8000" dirty="0">
+              <a:solidFill>
+                <a:schemeClr val="tx2"/>
+              </a:solidFill>
+            </a:endParaRPr>
+          </a:p>
+        </p:txBody>
+      </p:sp>
+    </p:spTree>
+    <p:extLst>
+      <p:ext uri="{BB962C8B-B14F-4D97-AF65-F5344CB8AC3E}">
+        <p14:creationId xmlns:p14="http://schemas.microsoft.com/office/powerpoint/2010/main" val="425387624"/>
+      </p:ext>
+    </p:extLst>
+  </p:cSld>
+  <p:clrMapOvr>
+    <a:masterClrMapping/>
+  </p:clrMapOvr>
+</p:sld>
+</file>
+
 <file path=ppt/theme/theme1.xml><?xml version="1.0" encoding="utf-8"?>
 <a:theme xmlns:a="http://schemas.openxmlformats.org/drawingml/2006/main" name="JSM2016">
   <a:themeElements>
